--- a/talks/quartz_mid_improved.pptx
+++ b/talks/quartz_mid_improved.pptx
@@ -225,7 +225,7 @@
           <a:p>
             <a:fld id="{2025A6DC-4A8E-5049-A52D-EB8872E224DF}" type="datetimeFigureOut">
               <a:rPr lang="en-US" smtClean="0"/>
-              <a:t>10/16/2018</a:t>
+              <a:t>11/7/2018</a:t>
             </a:fld>
             <a:endParaRPr lang="en-US"/>
           </a:p>
@@ -403,7 +403,7 @@
           <a:p>
             <a:fld id="{7A1BD12D-5FA0-F040-A054-04BA5B18C299}" type="datetimeFigureOut">
               <a:rPr lang="en-US" smtClean="0"/>
-              <a:t>10/16/2018</a:t>
+              <a:t>11/7/2018</a:t>
             </a:fld>
             <a:endParaRPr lang="en-US"/>
           </a:p>
@@ -4281,11 +4281,7 @@
           <a:p>
             <a:r>
               <a:rPr lang="en-US" altLang="zh-CN" dirty="0" smtClean="0"/>
-              <a:t>Progress </a:t>
-            </a:r>
-            <a:r>
-              <a:rPr lang="en-US" altLang="zh-CN" dirty="0" smtClean="0"/>
-              <a:t>4: </a:t>
+              <a:t>Progress 4: </a:t>
             </a:r>
             <a:r>
               <a:rPr lang="en-US" altLang="zh-CN" b="1" dirty="0" smtClean="0"/>
@@ -4293,11 +4289,7 @@
             </a:r>
             <a:r>
               <a:rPr lang="en-US" altLang="zh-CN" dirty="0" smtClean="0"/>
-              <a:t> </a:t>
-            </a:r>
-            <a:r>
-              <a:rPr lang="en-US" altLang="zh-CN" dirty="0" smtClean="0"/>
-              <a:t>in case of </a:t>
+              <a:t> in case of </a:t>
             </a:r>
             <a:r>
               <a:rPr lang="en-US" altLang="zh-CN" dirty="0" err="1" smtClean="0"/>
@@ -5162,21 +5154,7 @@
                 <a:latin typeface="Arial" panose="020B0604020202020204" pitchFamily="34" charset="0"/>
                 <a:ea typeface="Times New Roman" panose="02020603050405020304" pitchFamily="18" charset="0"/>
               </a:rPr>
-              <a:t> </a:t>
-            </a:r>
-            <a:r>
-              <a:rPr kumimoji="0" lang="en-US" altLang="en-US" sz="1400" b="0" i="0" u="none" strike="noStrike" cap="none" normalizeH="0" dirty="0" smtClean="0">
-                <a:ln>
-                  <a:noFill/>
-                </a:ln>
-                <a:solidFill>
-                  <a:schemeClr val="tx1"/>
-                </a:solidFill>
-                <a:effectLst/>
-                <a:latin typeface="Arial" panose="020B0604020202020204" pitchFamily="34" charset="0"/>
-                <a:ea typeface="Times New Roman" panose="02020603050405020304" pitchFamily="18" charset="0"/>
-              </a:rPr>
-              <a:t>in </a:t>
+              <a:t> in </a:t>
             </a:r>
             <a:r>
               <a:rPr kumimoji="0" lang="en-US" altLang="en-US" sz="1400" b="0" i="0" u="none" strike="noStrike" cap="none" normalizeH="0" dirty="0" err="1" smtClean="0">
@@ -6090,15 +6068,7 @@
             </a:r>
             <a:r>
               <a:rPr lang="en-US" sz="1400" dirty="0"/>
-              <a:t> </a:t>
-            </a:r>
-            <a:r>
-              <a:rPr lang="en-US" sz="1400" dirty="0"/>
-              <a:t>long </a:t>
-            </a:r>
-            <a:r>
-              <a:rPr lang="en-US" sz="1400" dirty="0"/>
-              <a:t>papers</a:t>
+              <a:t> long papers</a:t>
             </a:r>
           </a:p>
           <a:p>
@@ -6138,17 +6108,12 @@
             </a:r>
             <a:r>
               <a:rPr lang="en-US" sz="1100" dirty="0" smtClean="0"/>
-              <a:t>] </a:t>
-            </a:r>
-            <a:r>
-              <a:rPr lang="en-US" sz="1100" dirty="0" smtClean="0"/>
-              <a:t> </a:t>
+              <a:t>]  </a:t>
             </a:r>
             <a:r>
               <a:rPr lang="en-US" sz="1400" baseline="30000" dirty="0" smtClean="0"/>
               <a:t>[1]</a:t>
             </a:r>
-            <a:endParaRPr lang="en-US" sz="1400" baseline="30000" dirty="0" smtClean="0"/>
           </a:p>
           <a:p>
             <a:pPr marL="1200150" lvl="2" indent="-285750">
@@ -6160,8 +6125,20 @@
               <a:t>1 </a:t>
             </a:r>
             <a:r>
-              <a:rPr lang="en-US" sz="1400" b="1" dirty="0"/>
-              <a:t>Information Science </a:t>
+              <a:rPr lang="en-US" sz="1400" b="1"/>
+              <a:t>Information </a:t>
+            </a:r>
+            <a:r>
+              <a:rPr lang="en-US" sz="1400" b="1" smtClean="0"/>
+              <a:t>Science</a:t>
+            </a:r>
+            <a:r>
+              <a:rPr lang="en-US" altLang="zh-CN" sz="1400" b="1" smtClean="0"/>
+              <a:t>s</a:t>
+            </a:r>
+            <a:r>
+              <a:rPr lang="en-US" sz="1400" b="1" smtClean="0"/>
+              <a:t> </a:t>
             </a:r>
             <a:r>
               <a:rPr lang="en-US" sz="1100" dirty="0"/>
@@ -6205,17 +6182,12 @@
             </a:pPr>
             <a:r>
               <a:rPr lang="en-US" dirty="0" smtClean="0"/>
-              <a:t>Google Scholar Citation: </a:t>
-            </a:r>
-            <a:r>
-              <a:rPr lang="en-US" dirty="0" smtClean="0"/>
-              <a:t>96 </a:t>
+              <a:t>Google Scholar Citation: 96 </a:t>
             </a:r>
             <a:r>
               <a:rPr lang="en-US" sz="1400" baseline="30000" dirty="0" smtClean="0"/>
               <a:t>[2]</a:t>
             </a:r>
-            <a:endParaRPr lang="en-US" sz="1400" baseline="30000" dirty="0" smtClean="0"/>
           </a:p>
           <a:p>
             <a:pPr marL="285750" indent="-285750">
@@ -6584,7 +6556,6 @@
               <a:rPr lang="en-US" dirty="0"/>
               <a:t> experiences </a:t>
             </a:r>
-            <a:endParaRPr lang="en-US" dirty="0"/>
           </a:p>
         </p:txBody>
       </p:sp>
@@ -8151,11 +8122,7 @@
             </a:pPr>
             <a:r>
               <a:rPr lang="en-US" altLang="zh-CN" dirty="0" smtClean="0"/>
-              <a:t>Explore </a:t>
-            </a:r>
-            <a:r>
-              <a:rPr lang="en-US" altLang="zh-CN" dirty="0" smtClean="0"/>
-              <a:t>the dynamics of </a:t>
+              <a:t>Explore the dynamics of </a:t>
             </a:r>
             <a:r>
               <a:rPr lang="en-US" dirty="0"/>
@@ -8167,11 +8134,7 @@
             </a:r>
             <a:r>
               <a:rPr lang="en-US" altLang="zh-CN" dirty="0" smtClean="0"/>
-              <a:t> </a:t>
-            </a:r>
-            <a:r>
-              <a:rPr lang="en-US" altLang="zh-CN" dirty="0" smtClean="0"/>
-              <a:t>e.g. recommendation </a:t>
+              <a:t> e.g. recommendation </a:t>
             </a:r>
             <a:r>
               <a:rPr lang="en-US" altLang="zh-CN" b="1" dirty="0" smtClean="0"/>
@@ -8189,11 +8152,7 @@
             </a:pPr>
             <a:r>
               <a:rPr lang="en-US" altLang="zh-CN" dirty="0" smtClean="0"/>
-              <a:t>Implement </a:t>
-            </a:r>
-            <a:r>
-              <a:rPr lang="en-US" altLang="zh-CN" dirty="0" smtClean="0"/>
-              <a:t>it in dynamic corpora, </a:t>
+              <a:t>Implement it in dynamic corpora, </a:t>
             </a:r>
             <a:r>
               <a:rPr lang="en-US" altLang="zh-CN" dirty="0"/>
@@ -8776,11 +8735,7 @@
           <a:p>
             <a:r>
               <a:rPr lang="en-US" altLang="zh-CN" dirty="0" smtClean="0"/>
-              <a:t>Progress 1</a:t>
-            </a:r>
-            <a:r>
-              <a:rPr lang="en-US" altLang="zh-CN" dirty="0" smtClean="0"/>
-              <a:t>: End-2-end Language model</a:t>
+              <a:t>Progress 1: End-2-end Language model</a:t>
             </a:r>
             <a:endParaRPr lang="en-US" dirty="0"/>
           </a:p>
@@ -9267,19 +9222,7 @@
           <a:p>
             <a:r>
               <a:rPr lang="en-US" altLang="zh-CN" dirty="0" smtClean="0"/>
-              <a:t>Progress </a:t>
-            </a:r>
-            <a:r>
-              <a:rPr lang="en-US" altLang="zh-CN" dirty="0" smtClean="0"/>
-              <a:t>3: </a:t>
-            </a:r>
-            <a:r>
-              <a:rPr lang="en-US" altLang="zh-CN" dirty="0" smtClean="0"/>
-              <a:t>Hilbert Semantic </a:t>
-            </a:r>
-            <a:r>
-              <a:rPr lang="en-US" altLang="zh-CN" dirty="0" smtClean="0"/>
-              <a:t>Vector Space</a:t>
+              <a:t>Progress 3: Hilbert Semantic Vector Space</a:t>
             </a:r>
             <a:endParaRPr lang="en-US" dirty="0"/>
           </a:p>
